--- a/中間発表/figure.pptx
+++ b/中間発表/figure.pptx
@@ -6,6 +6,7 @@
   </p:sldMasterIdLst>
   <p:sldIdLst>
     <p:sldId id="257" r:id="rId2"/>
+    <p:sldId id="258" r:id="rId3"/>
   </p:sldIdLst>
   <p:sldSz cx="12192000" cy="6858000"/>
   <p:notesSz cx="6858000" cy="9144000"/>
@@ -115,8 +116,7 @@
 <file path=ppt/revisionInfo.xml><?xml version="1.0" encoding="utf-8"?>
 <p1510:revInfo xmlns:a="http://schemas.openxmlformats.org/drawingml/2006/main" xmlns:r="http://schemas.openxmlformats.org/officeDocument/2006/relationships" xmlns:p1510="http://schemas.microsoft.com/office/powerpoint/2015/10/main">
   <p1510:revLst>
-    <p1510:client id="{0187FF67-C56C-47BF-B8CF-F7A650501B87}" v="4" dt="2024-07-30T23:07:22.822"/>
-    <p1510:client id="{9358BF5A-2D2E-D72B-6EAB-2AC015ED518A}" v="181" dt="2024-07-30T23:16:47.857"/>
+    <p1510:client id="{1E037E73-E791-4436-95BE-45D8CDF00C45}" v="19" dt="2024-08-12T07:51:50.559"/>
   </p1510:revLst>
 </p1510:revInfo>
 </file>
@@ -412,6 +412,230 @@
     </pc:docChg>
   </pc:docChgLst>
   <pc:docChgLst>
+    <pc:chgData name="g2121057" userId="037dc83c-fac4-4eea-acb3-34d3beafcde8" providerId="ADAL" clId="{1E037E73-E791-4436-95BE-45D8CDF00C45}"/>
+    <pc:docChg chg="custSel addSld modSld">
+      <pc:chgData name="g2121057" userId="037dc83c-fac4-4eea-acb3-34d3beafcde8" providerId="ADAL" clId="{1E037E73-E791-4436-95BE-45D8CDF00C45}" dt="2024-08-12T07:52:58.609" v="303" actId="1076"/>
+      <pc:docMkLst>
+        <pc:docMk/>
+      </pc:docMkLst>
+      <pc:sldChg chg="addSp delSp modSp new mod">
+        <pc:chgData name="g2121057" userId="037dc83c-fac4-4eea-acb3-34d3beafcde8" providerId="ADAL" clId="{1E037E73-E791-4436-95BE-45D8CDF00C45}" dt="2024-08-12T07:52:58.609" v="303" actId="1076"/>
+        <pc:sldMkLst>
+          <pc:docMk/>
+          <pc:sldMk cId="886271374" sldId="258"/>
+        </pc:sldMkLst>
+        <pc:spChg chg="add mod">
+          <ac:chgData name="g2121057" userId="037dc83c-fac4-4eea-acb3-34d3beafcde8" providerId="ADAL" clId="{1E037E73-E791-4436-95BE-45D8CDF00C45}" dt="2024-08-12T07:44:25.366" v="135" actId="14100"/>
+          <ac:spMkLst>
+            <pc:docMk/>
+            <pc:sldMk cId="886271374" sldId="258"/>
+            <ac:spMk id="2" creationId="{A3CDBCD0-6D90-B19A-A3AD-40D0D0616F3C}"/>
+          </ac:spMkLst>
+        </pc:spChg>
+        <pc:spChg chg="add mod">
+          <ac:chgData name="g2121057" userId="037dc83c-fac4-4eea-acb3-34d3beafcde8" providerId="ADAL" clId="{1E037E73-E791-4436-95BE-45D8CDF00C45}" dt="2024-08-12T07:44:31.013" v="137" actId="1076"/>
+          <ac:spMkLst>
+            <pc:docMk/>
+            <pc:sldMk cId="886271374" sldId="258"/>
+            <ac:spMk id="3" creationId="{610C20C3-2FBB-A56F-E01F-A2D2E8ABEAFE}"/>
+          </ac:spMkLst>
+        </pc:spChg>
+        <pc:spChg chg="add del mod">
+          <ac:chgData name="g2121057" userId="037dc83c-fac4-4eea-acb3-34d3beafcde8" providerId="ADAL" clId="{1E037E73-E791-4436-95BE-45D8CDF00C45}" dt="2024-08-12T07:44:38.373" v="139" actId="478"/>
+          <ac:spMkLst>
+            <pc:docMk/>
+            <pc:sldMk cId="886271374" sldId="258"/>
+            <ac:spMk id="4" creationId="{79842A08-F986-4487-7309-474C5BF63DF8}"/>
+          </ac:spMkLst>
+        </pc:spChg>
+        <pc:spChg chg="add del mod">
+          <ac:chgData name="g2121057" userId="037dc83c-fac4-4eea-acb3-34d3beafcde8" providerId="ADAL" clId="{1E037E73-E791-4436-95BE-45D8CDF00C45}" dt="2024-08-12T07:44:38.373" v="139" actId="478"/>
+          <ac:spMkLst>
+            <pc:docMk/>
+            <pc:sldMk cId="886271374" sldId="258"/>
+            <ac:spMk id="5" creationId="{07C0AC42-5784-2F7D-5340-8FEF4722EA94}"/>
+          </ac:spMkLst>
+        </pc:spChg>
+        <pc:spChg chg="add del mod">
+          <ac:chgData name="g2121057" userId="037dc83c-fac4-4eea-acb3-34d3beafcde8" providerId="ADAL" clId="{1E037E73-E791-4436-95BE-45D8CDF00C45}" dt="2024-08-12T07:44:38.373" v="139" actId="478"/>
+          <ac:spMkLst>
+            <pc:docMk/>
+            <pc:sldMk cId="886271374" sldId="258"/>
+            <ac:spMk id="6" creationId="{A37C1D5C-65E7-E415-AED9-D13A8BD48E63}"/>
+          </ac:spMkLst>
+        </pc:spChg>
+        <pc:spChg chg="add del mod">
+          <ac:chgData name="g2121057" userId="037dc83c-fac4-4eea-acb3-34d3beafcde8" providerId="ADAL" clId="{1E037E73-E791-4436-95BE-45D8CDF00C45}" dt="2024-08-12T07:44:38.373" v="139" actId="478"/>
+          <ac:spMkLst>
+            <pc:docMk/>
+            <pc:sldMk cId="886271374" sldId="258"/>
+            <ac:spMk id="7" creationId="{177CD795-BB05-2190-8AF8-5B2FFC10DBB1}"/>
+          </ac:spMkLst>
+        </pc:spChg>
+        <pc:spChg chg="add mod">
+          <ac:chgData name="g2121057" userId="037dc83c-fac4-4eea-acb3-34d3beafcde8" providerId="ADAL" clId="{1E037E73-E791-4436-95BE-45D8CDF00C45}" dt="2024-08-12T07:45:46.715" v="223" actId="403"/>
+          <ac:spMkLst>
+            <pc:docMk/>
+            <pc:sldMk cId="886271374" sldId="258"/>
+            <ac:spMk id="8" creationId="{D5E8A998-86A9-8642-B73F-F57194047740}"/>
+          </ac:spMkLst>
+        </pc:spChg>
+        <pc:spChg chg="add mod">
+          <ac:chgData name="g2121057" userId="037dc83c-fac4-4eea-acb3-34d3beafcde8" providerId="ADAL" clId="{1E037E73-E791-4436-95BE-45D8CDF00C45}" dt="2024-08-12T07:44:52.713" v="164" actId="20577"/>
+          <ac:spMkLst>
+            <pc:docMk/>
+            <pc:sldMk cId="886271374" sldId="258"/>
+            <ac:spMk id="9" creationId="{63196E17-8B2D-081B-4872-6C86D042572B}"/>
+          </ac:spMkLst>
+        </pc:spChg>
+        <pc:spChg chg="add mod">
+          <ac:chgData name="g2121057" userId="037dc83c-fac4-4eea-acb3-34d3beafcde8" providerId="ADAL" clId="{1E037E73-E791-4436-95BE-45D8CDF00C45}" dt="2024-08-12T07:45:00.948" v="176" actId="20577"/>
+          <ac:spMkLst>
+            <pc:docMk/>
+            <pc:sldMk cId="886271374" sldId="258"/>
+            <ac:spMk id="10" creationId="{49BC416E-6E70-1A55-E12D-DB8E1EEC515F}"/>
+          </ac:spMkLst>
+        </pc:spChg>
+        <pc:spChg chg="add mod">
+          <ac:chgData name="g2121057" userId="037dc83c-fac4-4eea-acb3-34d3beafcde8" providerId="ADAL" clId="{1E037E73-E791-4436-95BE-45D8CDF00C45}" dt="2024-08-12T07:45:13.341" v="185" actId="20577"/>
+          <ac:spMkLst>
+            <pc:docMk/>
+            <pc:sldMk cId="886271374" sldId="258"/>
+            <ac:spMk id="11" creationId="{28B591B2-4ED7-158C-5EFC-FEC1143A5374}"/>
+          </ac:spMkLst>
+        </pc:spChg>
+        <pc:spChg chg="add mod">
+          <ac:chgData name="g2121057" userId="037dc83c-fac4-4eea-acb3-34d3beafcde8" providerId="ADAL" clId="{1E037E73-E791-4436-95BE-45D8CDF00C45}" dt="2024-08-12T07:45:22.870" v="198" actId="20577"/>
+          <ac:spMkLst>
+            <pc:docMk/>
+            <pc:sldMk cId="886271374" sldId="258"/>
+            <ac:spMk id="12" creationId="{B24B72A0-C50C-E2A2-A2A7-A1FA79FD4CFD}"/>
+          </ac:spMkLst>
+        </pc:spChg>
+        <pc:spChg chg="add mod">
+          <ac:chgData name="g2121057" userId="037dc83c-fac4-4eea-acb3-34d3beafcde8" providerId="ADAL" clId="{1E037E73-E791-4436-95BE-45D8CDF00C45}" dt="2024-08-12T07:46:10.427" v="246" actId="1076"/>
+          <ac:spMkLst>
+            <pc:docMk/>
+            <pc:sldMk cId="886271374" sldId="258"/>
+            <ac:spMk id="13" creationId="{11BF3DE0-2DE1-F53F-D37A-BE293732DBDD}"/>
+          </ac:spMkLst>
+        </pc:spChg>
+        <pc:spChg chg="add mod">
+          <ac:chgData name="g2121057" userId="037dc83c-fac4-4eea-acb3-34d3beafcde8" providerId="ADAL" clId="{1E037E73-E791-4436-95BE-45D8CDF00C45}" dt="2024-08-12T07:51:55.630" v="279" actId="20577"/>
+          <ac:spMkLst>
+            <pc:docMk/>
+            <pc:sldMk cId="886271374" sldId="258"/>
+            <ac:spMk id="30" creationId="{8D4658E4-A955-CEB0-37DB-AC0DA0AB36F3}"/>
+          </ac:spMkLst>
+        </pc:spChg>
+        <pc:spChg chg="add mod">
+          <ac:chgData name="g2121057" userId="037dc83c-fac4-4eea-acb3-34d3beafcde8" providerId="ADAL" clId="{1E037E73-E791-4436-95BE-45D8CDF00C45}" dt="2024-08-12T07:52:58.609" v="303" actId="1076"/>
+          <ac:spMkLst>
+            <pc:docMk/>
+            <pc:sldMk cId="886271374" sldId="258"/>
+            <ac:spMk id="31" creationId="{812C361D-778B-7B7E-E124-B1CC78C701E2}"/>
+          </ac:spMkLst>
+        </pc:spChg>
+        <pc:spChg chg="add mod">
+          <ac:chgData name="g2121057" userId="037dc83c-fac4-4eea-acb3-34d3beafcde8" providerId="ADAL" clId="{1E037E73-E791-4436-95BE-45D8CDF00C45}" dt="2024-08-12T07:52:40.943" v="300" actId="1076"/>
+          <ac:spMkLst>
+            <pc:docMk/>
+            <pc:sldMk cId="886271374" sldId="258"/>
+            <ac:spMk id="32" creationId="{98099961-97CE-19EE-5106-0BB82EF35A8E}"/>
+          </ac:spMkLst>
+        </pc:spChg>
+        <pc:cxnChg chg="add mod">
+          <ac:chgData name="g2121057" userId="037dc83c-fac4-4eea-acb3-34d3beafcde8" providerId="ADAL" clId="{1E037E73-E791-4436-95BE-45D8CDF00C45}" dt="2024-08-12T07:46:29.111" v="249" actId="1582"/>
+          <ac:cxnSpMkLst>
+            <pc:docMk/>
+            <pc:sldMk cId="886271374" sldId="258"/>
+            <ac:cxnSpMk id="15" creationId="{0C5643BA-AEF1-2575-64D6-16C6913B21EC}"/>
+          </ac:cxnSpMkLst>
+        </pc:cxnChg>
+        <pc:cxnChg chg="add mod">
+          <ac:chgData name="g2121057" userId="037dc83c-fac4-4eea-acb3-34d3beafcde8" providerId="ADAL" clId="{1E037E73-E791-4436-95BE-45D8CDF00C45}" dt="2024-08-12T07:46:35.925" v="251" actId="1076"/>
+          <ac:cxnSpMkLst>
+            <pc:docMk/>
+            <pc:sldMk cId="886271374" sldId="258"/>
+            <ac:cxnSpMk id="16" creationId="{64F3EE41-1EC0-5FFB-0D1F-884D1416DA23}"/>
+          </ac:cxnSpMkLst>
+        </pc:cxnChg>
+        <pc:cxnChg chg="add mod">
+          <ac:chgData name="g2121057" userId="037dc83c-fac4-4eea-acb3-34d3beafcde8" providerId="ADAL" clId="{1E037E73-E791-4436-95BE-45D8CDF00C45}" dt="2024-08-12T07:46:40.658" v="253" actId="1076"/>
+          <ac:cxnSpMkLst>
+            <pc:docMk/>
+            <pc:sldMk cId="886271374" sldId="258"/>
+            <ac:cxnSpMk id="17" creationId="{32CB2B61-731B-4DA7-E135-1641176D5EA2}"/>
+          </ac:cxnSpMkLst>
+        </pc:cxnChg>
+        <pc:cxnChg chg="add mod">
+          <ac:chgData name="g2121057" userId="037dc83c-fac4-4eea-acb3-34d3beafcde8" providerId="ADAL" clId="{1E037E73-E791-4436-95BE-45D8CDF00C45}" dt="2024-08-12T07:47:17.494" v="255" actId="1076"/>
+          <ac:cxnSpMkLst>
+            <pc:docMk/>
+            <pc:sldMk cId="886271374" sldId="258"/>
+            <ac:cxnSpMk id="18" creationId="{F19D9B9F-6EC1-7951-958B-6D623DCC8178}"/>
+          </ac:cxnSpMkLst>
+        </pc:cxnChg>
+        <pc:cxnChg chg="add mod">
+          <ac:chgData name="g2121057" userId="037dc83c-fac4-4eea-acb3-34d3beafcde8" providerId="ADAL" clId="{1E037E73-E791-4436-95BE-45D8CDF00C45}" dt="2024-08-12T07:47:24.526" v="257" actId="1076"/>
+          <ac:cxnSpMkLst>
+            <pc:docMk/>
+            <pc:sldMk cId="886271374" sldId="258"/>
+            <ac:cxnSpMk id="19" creationId="{8D0233FD-EC56-AA32-DE86-106397167959}"/>
+          </ac:cxnSpMkLst>
+        </pc:cxnChg>
+        <pc:cxnChg chg="add mod">
+          <ac:chgData name="g2121057" userId="037dc83c-fac4-4eea-acb3-34d3beafcde8" providerId="ADAL" clId="{1E037E73-E791-4436-95BE-45D8CDF00C45}" dt="2024-08-12T07:47:29.207" v="259" actId="1076"/>
+          <ac:cxnSpMkLst>
+            <pc:docMk/>
+            <pc:sldMk cId="886271374" sldId="258"/>
+            <ac:cxnSpMk id="20" creationId="{2D53C995-9FBE-A378-AC74-E1E002E05C5E}"/>
+          </ac:cxnSpMkLst>
+        </pc:cxnChg>
+        <pc:cxnChg chg="add mod">
+          <ac:chgData name="g2121057" userId="037dc83c-fac4-4eea-acb3-34d3beafcde8" providerId="ADAL" clId="{1E037E73-E791-4436-95BE-45D8CDF00C45}" dt="2024-08-12T07:47:38.055" v="261" actId="1076"/>
+          <ac:cxnSpMkLst>
+            <pc:docMk/>
+            <pc:sldMk cId="886271374" sldId="258"/>
+            <ac:cxnSpMk id="21" creationId="{BC2AB1F9-4253-90F1-F04B-37C33C530E64}"/>
+          </ac:cxnSpMkLst>
+        </pc:cxnChg>
+        <pc:cxnChg chg="add mod">
+          <ac:chgData name="g2121057" userId="037dc83c-fac4-4eea-acb3-34d3beafcde8" providerId="ADAL" clId="{1E037E73-E791-4436-95BE-45D8CDF00C45}" dt="2024-08-12T07:47:56.814" v="265" actId="1582"/>
+          <ac:cxnSpMkLst>
+            <pc:docMk/>
+            <pc:sldMk cId="886271374" sldId="258"/>
+            <ac:cxnSpMk id="23" creationId="{33AAE1A9-951A-0C2E-6EF4-E08AE0D1D6F7}"/>
+          </ac:cxnSpMkLst>
+        </pc:cxnChg>
+        <pc:cxnChg chg="add mod">
+          <ac:chgData name="g2121057" userId="037dc83c-fac4-4eea-acb3-34d3beafcde8" providerId="ADAL" clId="{1E037E73-E791-4436-95BE-45D8CDF00C45}" dt="2024-08-12T07:51:10.623" v="268" actId="14100"/>
+          <ac:cxnSpMkLst>
+            <pc:docMk/>
+            <pc:sldMk cId="886271374" sldId="258"/>
+            <ac:cxnSpMk id="24" creationId="{A96444F0-E60B-E354-8480-B49E2B91C5AD}"/>
+          </ac:cxnSpMkLst>
+        </pc:cxnChg>
+        <pc:cxnChg chg="add mod">
+          <ac:chgData name="g2121057" userId="037dc83c-fac4-4eea-acb3-34d3beafcde8" providerId="ADAL" clId="{1E037E73-E791-4436-95BE-45D8CDF00C45}" dt="2024-08-12T07:51:27.680" v="271" actId="14100"/>
+          <ac:cxnSpMkLst>
+            <pc:docMk/>
+            <pc:sldMk cId="886271374" sldId="258"/>
+            <ac:cxnSpMk id="27" creationId="{80DF0029-C9A2-2898-02BC-260FA4611490}"/>
+          </ac:cxnSpMkLst>
+        </pc:cxnChg>
+        <pc:cxnChg chg="add mod">
+          <ac:chgData name="g2121057" userId="037dc83c-fac4-4eea-acb3-34d3beafcde8" providerId="ADAL" clId="{1E037E73-E791-4436-95BE-45D8CDF00C45}" dt="2024-08-12T07:52:49.020" v="302" actId="1582"/>
+          <ac:cxnSpMkLst>
+            <pc:docMk/>
+            <pc:sldMk cId="886271374" sldId="258"/>
+            <ac:cxnSpMk id="34" creationId="{6717423B-1196-052F-AFD9-D47DB424D522}"/>
+          </ac:cxnSpMkLst>
+        </pc:cxnChg>
+      </pc:sldChg>
+    </pc:docChg>
+  </pc:docChgLst>
+  <pc:docChgLst>
     <pc:chgData name="g2121057" userId="037dc83c-fac4-4eea-acb3-34d3beafcde8" providerId="ADAL" clId="{0187FF67-C56C-47BF-B8CF-F7A650501B87}"/>
     <pc:docChg chg="addSld delSld modSld">
       <pc:chgData name="g2121057" userId="037dc83c-fac4-4eea-acb3-34d3beafcde8" providerId="ADAL" clId="{0187FF67-C56C-47BF-B8CF-F7A650501B87}" dt="2024-07-30T23:08:51.403" v="98" actId="47"/>
@@ -679,7 +903,7 @@
           <a:p>
             <a:fld id="{7DE55E17-E657-48D6-9797-27175F385CC8}" type="datetimeFigureOut">
               <a:rPr kumimoji="1" lang="ja-JP" altLang="en-US" smtClean="0"/>
-              <a:t>2024/7/30</a:t>
+              <a:t>2024/8/12</a:t>
             </a:fld>
             <a:endParaRPr kumimoji="1" lang="ja-JP" altLang="en-US"/>
           </a:p>
@@ -909,7 +1133,7 @@
           <a:p>
             <a:fld id="{7DE55E17-E657-48D6-9797-27175F385CC8}" type="datetimeFigureOut">
               <a:rPr kumimoji="1" lang="ja-JP" altLang="en-US" smtClean="0"/>
-              <a:t>2024/7/30</a:t>
+              <a:t>2024/8/12</a:t>
             </a:fld>
             <a:endParaRPr kumimoji="1" lang="ja-JP" altLang="en-US"/>
           </a:p>
@@ -1149,7 +1373,7 @@
           <a:p>
             <a:fld id="{7DE55E17-E657-48D6-9797-27175F385CC8}" type="datetimeFigureOut">
               <a:rPr kumimoji="1" lang="ja-JP" altLang="en-US" smtClean="0"/>
-              <a:t>2024/7/30</a:t>
+              <a:t>2024/8/12</a:t>
             </a:fld>
             <a:endParaRPr kumimoji="1" lang="ja-JP" altLang="en-US"/>
           </a:p>
@@ -1379,7 +1603,7 @@
           <a:p>
             <a:fld id="{7DE55E17-E657-48D6-9797-27175F385CC8}" type="datetimeFigureOut">
               <a:rPr kumimoji="1" lang="ja-JP" altLang="en-US" smtClean="0"/>
-              <a:t>2024/7/30</a:t>
+              <a:t>2024/8/12</a:t>
             </a:fld>
             <a:endParaRPr kumimoji="1" lang="ja-JP" altLang="en-US"/>
           </a:p>
@@ -1654,7 +1878,7 @@
           <a:p>
             <a:fld id="{7DE55E17-E657-48D6-9797-27175F385CC8}" type="datetimeFigureOut">
               <a:rPr kumimoji="1" lang="ja-JP" altLang="en-US" smtClean="0"/>
-              <a:t>2024/7/30</a:t>
+              <a:t>2024/8/12</a:t>
             </a:fld>
             <a:endParaRPr kumimoji="1" lang="ja-JP" altLang="en-US"/>
           </a:p>
@@ -1983,7 +2207,7 @@
           <a:p>
             <a:fld id="{7DE55E17-E657-48D6-9797-27175F385CC8}" type="datetimeFigureOut">
               <a:rPr kumimoji="1" lang="ja-JP" altLang="en-US" smtClean="0"/>
-              <a:t>2024/7/30</a:t>
+              <a:t>2024/8/12</a:t>
             </a:fld>
             <a:endParaRPr kumimoji="1" lang="ja-JP" altLang="en-US"/>
           </a:p>
@@ -2459,7 +2683,7 @@
           <a:p>
             <a:fld id="{7DE55E17-E657-48D6-9797-27175F385CC8}" type="datetimeFigureOut">
               <a:rPr kumimoji="1" lang="ja-JP" altLang="en-US" smtClean="0"/>
-              <a:t>2024/7/30</a:t>
+              <a:t>2024/8/12</a:t>
             </a:fld>
             <a:endParaRPr kumimoji="1" lang="ja-JP" altLang="en-US"/>
           </a:p>
@@ -2600,7 +2824,7 @@
           <a:p>
             <a:fld id="{7DE55E17-E657-48D6-9797-27175F385CC8}" type="datetimeFigureOut">
               <a:rPr kumimoji="1" lang="ja-JP" altLang="en-US" smtClean="0"/>
-              <a:t>2024/7/30</a:t>
+              <a:t>2024/8/12</a:t>
             </a:fld>
             <a:endParaRPr kumimoji="1" lang="ja-JP" altLang="en-US"/>
           </a:p>
@@ -2713,7 +2937,7 @@
           <a:p>
             <a:fld id="{7DE55E17-E657-48D6-9797-27175F385CC8}" type="datetimeFigureOut">
               <a:rPr kumimoji="1" lang="ja-JP" altLang="en-US" smtClean="0"/>
-              <a:t>2024/7/30</a:t>
+              <a:t>2024/8/12</a:t>
             </a:fld>
             <a:endParaRPr kumimoji="1" lang="ja-JP" altLang="en-US"/>
           </a:p>
@@ -3056,7 +3280,7 @@
           <a:p>
             <a:fld id="{7DE55E17-E657-48D6-9797-27175F385CC8}" type="datetimeFigureOut">
               <a:rPr kumimoji="1" lang="ja-JP" altLang="en-US" smtClean="0"/>
-              <a:t>2024/7/30</a:t>
+              <a:t>2024/8/12</a:t>
             </a:fld>
             <a:endParaRPr kumimoji="1" lang="ja-JP" altLang="en-US"/>
           </a:p>
@@ -3344,7 +3568,7 @@
           <a:p>
             <a:fld id="{7DE55E17-E657-48D6-9797-27175F385CC8}" type="datetimeFigureOut">
               <a:rPr kumimoji="1" lang="ja-JP" altLang="en-US" smtClean="0"/>
-              <a:t>2024/7/30</a:t>
+              <a:t>2024/8/12</a:t>
             </a:fld>
             <a:endParaRPr kumimoji="1" lang="ja-JP" altLang="en-US"/>
           </a:p>
@@ -3617,7 +3841,7 @@
           <a:p>
             <a:fld id="{7DE55E17-E657-48D6-9797-27175F385CC8}" type="datetimeFigureOut">
               <a:rPr kumimoji="1" lang="ja-JP" altLang="en-US" smtClean="0"/>
-              <a:t>2024/7/30</a:t>
+              <a:t>2024/8/12</a:t>
             </a:fld>
             <a:endParaRPr kumimoji="1" lang="ja-JP" altLang="en-US"/>
           </a:p>
@@ -5627,6 +5851,1031 @@
     <p:extLst>
       <p:ext uri="{BB962C8B-B14F-4D97-AF65-F5344CB8AC3E}">
         <p14:creationId xmlns:p14="http://schemas.microsoft.com/office/powerpoint/2010/main" val="929122317"/>
+      </p:ext>
+    </p:extLst>
+  </p:cSld>
+  <p:clrMapOvr>
+    <a:masterClrMapping/>
+  </p:clrMapOvr>
+</p:sld>
+</file>
+
+<file path=ppt/slides/slide2.xml><?xml version="1.0" encoding="utf-8"?>
+<p:sld xmlns:a="http://schemas.openxmlformats.org/drawingml/2006/main" xmlns:r="http://schemas.openxmlformats.org/officeDocument/2006/relationships" xmlns:p="http://schemas.openxmlformats.org/presentationml/2006/main">
+  <p:cSld>
+    <p:spTree>
+      <p:nvGrpSpPr>
+        <p:cNvPr id="1" name=""/>
+        <p:cNvGrpSpPr/>
+        <p:nvPr/>
+      </p:nvGrpSpPr>
+      <p:grpSpPr>
+        <a:xfrm>
+          <a:off x="0" y="0"/>
+          <a:ext cx="0" cy="0"/>
+          <a:chOff x="0" y="0"/>
+          <a:chExt cx="0" cy="0"/>
+        </a:xfrm>
+      </p:grpSpPr>
+      <p:sp>
+        <p:nvSpPr>
+          <p:cNvPr id="2" name="フローチャート: 端子 1">
+            <a:extLst>
+              <a:ext uri="{FF2B5EF4-FFF2-40B4-BE49-F238E27FC236}">
+                <a16:creationId xmlns:a16="http://schemas.microsoft.com/office/drawing/2014/main" id="{A3CDBCD0-6D90-B19A-A3AD-40D0D0616F3C}"/>
+              </a:ext>
+            </a:extLst>
+          </p:cNvPr>
+          <p:cNvSpPr/>
+          <p:nvPr/>
+        </p:nvSpPr>
+        <p:spPr>
+          <a:xfrm>
+            <a:off x="4959927" y="73892"/>
+            <a:ext cx="2697018" cy="701963"/>
+          </a:xfrm>
+          <a:prstGeom prst="flowChartTerminator">
+            <a:avLst/>
+          </a:prstGeom>
+          <a:noFill/>
+        </p:spPr>
+        <p:style>
+          <a:lnRef idx="2">
+            <a:schemeClr val="accent1">
+              <a:shade val="15000"/>
+            </a:schemeClr>
+          </a:lnRef>
+          <a:fillRef idx="1">
+            <a:schemeClr val="accent1"/>
+          </a:fillRef>
+          <a:effectRef idx="0">
+            <a:schemeClr val="accent1"/>
+          </a:effectRef>
+          <a:fontRef idx="minor">
+            <a:schemeClr val="lt1"/>
+          </a:fontRef>
+        </p:style>
+        <p:txBody>
+          <a:bodyPr rtlCol="0" anchor="ctr"/>
+          <a:lstStyle/>
+          <a:p>
+            <a:pPr algn="ctr"/>
+            <a:r>
+              <a:rPr kumimoji="1" lang="ja-JP" altLang="en-US" sz="2800" dirty="0">
+                <a:solidFill>
+                  <a:schemeClr val="tx1"/>
+                </a:solidFill>
+              </a:rPr>
+              <a:t>探索開始</a:t>
+            </a:r>
+          </a:p>
+        </p:txBody>
+      </p:sp>
+      <p:sp>
+        <p:nvSpPr>
+          <p:cNvPr id="3" name="フローチャート: 処理 2">
+            <a:extLst>
+              <a:ext uri="{FF2B5EF4-FFF2-40B4-BE49-F238E27FC236}">
+                <a16:creationId xmlns:a16="http://schemas.microsoft.com/office/drawing/2014/main" id="{610C20C3-2FBB-A56F-E01F-A2D2E8ABEAFE}"/>
+              </a:ext>
+            </a:extLst>
+          </p:cNvPr>
+          <p:cNvSpPr/>
+          <p:nvPr/>
+        </p:nvSpPr>
+        <p:spPr>
+          <a:xfrm>
+            <a:off x="4959927" y="1006763"/>
+            <a:ext cx="2817091" cy="480291"/>
+          </a:xfrm>
+          <a:prstGeom prst="flowChartProcess">
+            <a:avLst/>
+          </a:prstGeom>
+          <a:noFill/>
+        </p:spPr>
+        <p:style>
+          <a:lnRef idx="2">
+            <a:schemeClr val="accent1">
+              <a:shade val="15000"/>
+            </a:schemeClr>
+          </a:lnRef>
+          <a:fillRef idx="1">
+            <a:schemeClr val="accent1"/>
+          </a:fillRef>
+          <a:effectRef idx="0">
+            <a:schemeClr val="accent1"/>
+          </a:effectRef>
+          <a:fontRef idx="minor">
+            <a:schemeClr val="lt1"/>
+          </a:fontRef>
+        </p:style>
+        <p:txBody>
+          <a:bodyPr rtlCol="0" anchor="ctr"/>
+          <a:lstStyle/>
+          <a:p>
+            <a:pPr algn="ctr"/>
+            <a:r>
+              <a:rPr kumimoji="1" lang="ja-JP" altLang="en-US" sz="2800" dirty="0">
+                <a:solidFill>
+                  <a:schemeClr val="tx1"/>
+                </a:solidFill>
+              </a:rPr>
+              <a:t>初期化</a:t>
+            </a:r>
+          </a:p>
+        </p:txBody>
+      </p:sp>
+      <p:sp>
+        <p:nvSpPr>
+          <p:cNvPr id="8" name="フローチャート: 判断 7">
+            <a:extLst>
+              <a:ext uri="{FF2B5EF4-FFF2-40B4-BE49-F238E27FC236}">
+                <a16:creationId xmlns:a16="http://schemas.microsoft.com/office/drawing/2014/main" id="{D5E8A998-86A9-8642-B73F-F57194047740}"/>
+              </a:ext>
+            </a:extLst>
+          </p:cNvPr>
+          <p:cNvSpPr/>
+          <p:nvPr/>
+        </p:nvSpPr>
+        <p:spPr>
+          <a:xfrm>
+            <a:off x="4659745" y="4604328"/>
+            <a:ext cx="3417454" cy="1246909"/>
+          </a:xfrm>
+          <a:prstGeom prst="flowChartDecision">
+            <a:avLst/>
+          </a:prstGeom>
+          <a:noFill/>
+        </p:spPr>
+        <p:style>
+          <a:lnRef idx="2">
+            <a:schemeClr val="accent1">
+              <a:shade val="15000"/>
+            </a:schemeClr>
+          </a:lnRef>
+          <a:fillRef idx="1">
+            <a:schemeClr val="accent1"/>
+          </a:fillRef>
+          <a:effectRef idx="0">
+            <a:schemeClr val="accent1"/>
+          </a:effectRef>
+          <a:fontRef idx="minor">
+            <a:schemeClr val="lt1"/>
+          </a:fontRef>
+        </p:style>
+        <p:txBody>
+          <a:bodyPr rtlCol="0" anchor="ctr"/>
+          <a:lstStyle/>
+          <a:p>
+            <a:pPr algn="ctr"/>
+            <a:r>
+              <a:rPr kumimoji="1" lang="ja-JP" altLang="en-US" sz="2800" dirty="0">
+                <a:solidFill>
+                  <a:schemeClr val="tx1"/>
+                </a:solidFill>
+              </a:rPr>
+              <a:t>終了判定</a:t>
+            </a:r>
+          </a:p>
+        </p:txBody>
+      </p:sp>
+      <p:sp>
+        <p:nvSpPr>
+          <p:cNvPr id="9" name="フローチャート: 処理 8">
+            <a:extLst>
+              <a:ext uri="{FF2B5EF4-FFF2-40B4-BE49-F238E27FC236}">
+                <a16:creationId xmlns:a16="http://schemas.microsoft.com/office/drawing/2014/main" id="{63196E17-8B2D-081B-4872-6C86D042572B}"/>
+              </a:ext>
+            </a:extLst>
+          </p:cNvPr>
+          <p:cNvSpPr/>
+          <p:nvPr/>
+        </p:nvSpPr>
+        <p:spPr>
+          <a:xfrm>
+            <a:off x="4959927" y="1717962"/>
+            <a:ext cx="2817091" cy="480291"/>
+          </a:xfrm>
+          <a:prstGeom prst="flowChartProcess">
+            <a:avLst/>
+          </a:prstGeom>
+          <a:noFill/>
+        </p:spPr>
+        <p:style>
+          <a:lnRef idx="2">
+            <a:schemeClr val="accent1">
+              <a:shade val="15000"/>
+            </a:schemeClr>
+          </a:lnRef>
+          <a:fillRef idx="1">
+            <a:schemeClr val="accent1"/>
+          </a:fillRef>
+          <a:effectRef idx="0">
+            <a:schemeClr val="accent1"/>
+          </a:effectRef>
+          <a:fontRef idx="minor">
+            <a:schemeClr val="lt1"/>
+          </a:fontRef>
+        </p:style>
+        <p:txBody>
+          <a:bodyPr rtlCol="0" anchor="ctr"/>
+          <a:lstStyle/>
+          <a:p>
+            <a:pPr algn="ctr"/>
+            <a:r>
+              <a:rPr kumimoji="1" lang="ja-JP" altLang="en-US" sz="2800" dirty="0">
+                <a:solidFill>
+                  <a:schemeClr val="tx1"/>
+                </a:solidFill>
+              </a:rPr>
+              <a:t>適合度計算</a:t>
+            </a:r>
+          </a:p>
+        </p:txBody>
+      </p:sp>
+      <p:sp>
+        <p:nvSpPr>
+          <p:cNvPr id="10" name="フローチャート: 処理 9">
+            <a:extLst>
+              <a:ext uri="{FF2B5EF4-FFF2-40B4-BE49-F238E27FC236}">
+                <a16:creationId xmlns:a16="http://schemas.microsoft.com/office/drawing/2014/main" id="{49BC416E-6E70-1A55-E12D-DB8E1EEC515F}"/>
+              </a:ext>
+            </a:extLst>
+          </p:cNvPr>
+          <p:cNvSpPr/>
+          <p:nvPr/>
+        </p:nvSpPr>
+        <p:spPr>
+          <a:xfrm>
+            <a:off x="4959927" y="2429161"/>
+            <a:ext cx="2817091" cy="480291"/>
+          </a:xfrm>
+          <a:prstGeom prst="flowChartProcess">
+            <a:avLst/>
+          </a:prstGeom>
+          <a:noFill/>
+        </p:spPr>
+        <p:style>
+          <a:lnRef idx="2">
+            <a:schemeClr val="accent1">
+              <a:shade val="15000"/>
+            </a:schemeClr>
+          </a:lnRef>
+          <a:fillRef idx="1">
+            <a:schemeClr val="accent1"/>
+          </a:fillRef>
+          <a:effectRef idx="0">
+            <a:schemeClr val="accent1"/>
+          </a:effectRef>
+          <a:fontRef idx="minor">
+            <a:schemeClr val="lt1"/>
+          </a:fontRef>
+        </p:style>
+        <p:txBody>
+          <a:bodyPr rtlCol="0" anchor="ctr"/>
+          <a:lstStyle/>
+          <a:p>
+            <a:pPr algn="ctr"/>
+            <a:r>
+              <a:rPr kumimoji="1" lang="ja-JP" altLang="en-US" sz="2800" dirty="0">
+                <a:solidFill>
+                  <a:schemeClr val="tx1"/>
+                </a:solidFill>
+              </a:rPr>
+              <a:t>選択</a:t>
+            </a:r>
+          </a:p>
+        </p:txBody>
+      </p:sp>
+      <p:sp>
+        <p:nvSpPr>
+          <p:cNvPr id="11" name="フローチャート: 処理 10">
+            <a:extLst>
+              <a:ext uri="{FF2B5EF4-FFF2-40B4-BE49-F238E27FC236}">
+                <a16:creationId xmlns:a16="http://schemas.microsoft.com/office/drawing/2014/main" id="{28B591B2-4ED7-158C-5EFC-FEC1143A5374}"/>
+              </a:ext>
+            </a:extLst>
+          </p:cNvPr>
+          <p:cNvSpPr/>
+          <p:nvPr/>
+        </p:nvSpPr>
+        <p:spPr>
+          <a:xfrm>
+            <a:off x="4959927" y="3140360"/>
+            <a:ext cx="2817091" cy="480291"/>
+          </a:xfrm>
+          <a:prstGeom prst="flowChartProcess">
+            <a:avLst/>
+          </a:prstGeom>
+          <a:noFill/>
+        </p:spPr>
+        <p:style>
+          <a:lnRef idx="2">
+            <a:schemeClr val="accent1">
+              <a:shade val="15000"/>
+            </a:schemeClr>
+          </a:lnRef>
+          <a:fillRef idx="1">
+            <a:schemeClr val="accent1"/>
+          </a:fillRef>
+          <a:effectRef idx="0">
+            <a:schemeClr val="accent1"/>
+          </a:effectRef>
+          <a:fontRef idx="minor">
+            <a:schemeClr val="lt1"/>
+          </a:fontRef>
+        </p:style>
+        <p:txBody>
+          <a:bodyPr rtlCol="0" anchor="ctr"/>
+          <a:lstStyle/>
+          <a:p>
+            <a:pPr algn="ctr"/>
+            <a:r>
+              <a:rPr kumimoji="1" lang="ja-JP" altLang="en-US" sz="2800" dirty="0">
+                <a:solidFill>
+                  <a:schemeClr val="tx1"/>
+                </a:solidFill>
+              </a:rPr>
+              <a:t>交叉</a:t>
+            </a:r>
+          </a:p>
+        </p:txBody>
+      </p:sp>
+      <p:sp>
+        <p:nvSpPr>
+          <p:cNvPr id="12" name="フローチャート: 処理 11">
+            <a:extLst>
+              <a:ext uri="{FF2B5EF4-FFF2-40B4-BE49-F238E27FC236}">
+                <a16:creationId xmlns:a16="http://schemas.microsoft.com/office/drawing/2014/main" id="{B24B72A0-C50C-E2A2-A2A7-A1FA79FD4CFD}"/>
+              </a:ext>
+            </a:extLst>
+          </p:cNvPr>
+          <p:cNvSpPr/>
+          <p:nvPr/>
+        </p:nvSpPr>
+        <p:spPr>
+          <a:xfrm>
+            <a:off x="4959927" y="3851559"/>
+            <a:ext cx="2817091" cy="480291"/>
+          </a:xfrm>
+          <a:prstGeom prst="flowChartProcess">
+            <a:avLst/>
+          </a:prstGeom>
+          <a:noFill/>
+        </p:spPr>
+        <p:style>
+          <a:lnRef idx="2">
+            <a:schemeClr val="accent1">
+              <a:shade val="15000"/>
+            </a:schemeClr>
+          </a:lnRef>
+          <a:fillRef idx="1">
+            <a:schemeClr val="accent1"/>
+          </a:fillRef>
+          <a:effectRef idx="0">
+            <a:schemeClr val="accent1"/>
+          </a:effectRef>
+          <a:fontRef idx="minor">
+            <a:schemeClr val="lt1"/>
+          </a:fontRef>
+        </p:style>
+        <p:txBody>
+          <a:bodyPr rtlCol="0" anchor="ctr"/>
+          <a:lstStyle/>
+          <a:p>
+            <a:pPr algn="ctr"/>
+            <a:r>
+              <a:rPr kumimoji="1" lang="ja-JP" altLang="en-US" sz="2800" dirty="0">
+                <a:solidFill>
+                  <a:schemeClr val="tx1"/>
+                </a:solidFill>
+              </a:rPr>
+              <a:t>突然変異</a:t>
+            </a:r>
+          </a:p>
+        </p:txBody>
+      </p:sp>
+      <p:sp>
+        <p:nvSpPr>
+          <p:cNvPr id="13" name="フローチャート: 端子 12">
+            <a:extLst>
+              <a:ext uri="{FF2B5EF4-FFF2-40B4-BE49-F238E27FC236}">
+                <a16:creationId xmlns:a16="http://schemas.microsoft.com/office/drawing/2014/main" id="{11BF3DE0-2DE1-F53F-D37A-BE293732DBDD}"/>
+              </a:ext>
+            </a:extLst>
+          </p:cNvPr>
+          <p:cNvSpPr/>
+          <p:nvPr/>
+        </p:nvSpPr>
+        <p:spPr>
+          <a:xfrm>
+            <a:off x="5019963" y="6084451"/>
+            <a:ext cx="2697018" cy="701963"/>
+          </a:xfrm>
+          <a:prstGeom prst="flowChartTerminator">
+            <a:avLst/>
+          </a:prstGeom>
+          <a:noFill/>
+        </p:spPr>
+        <p:style>
+          <a:lnRef idx="2">
+            <a:schemeClr val="accent1">
+              <a:shade val="15000"/>
+            </a:schemeClr>
+          </a:lnRef>
+          <a:fillRef idx="1">
+            <a:schemeClr val="accent1"/>
+          </a:fillRef>
+          <a:effectRef idx="0">
+            <a:schemeClr val="accent1"/>
+          </a:effectRef>
+          <a:fontRef idx="minor">
+            <a:schemeClr val="lt1"/>
+          </a:fontRef>
+        </p:style>
+        <p:txBody>
+          <a:bodyPr rtlCol="0" anchor="ctr"/>
+          <a:lstStyle/>
+          <a:p>
+            <a:pPr algn="ctr"/>
+            <a:r>
+              <a:rPr kumimoji="1" lang="ja-JP" altLang="en-US" sz="2800" dirty="0">
+                <a:solidFill>
+                  <a:schemeClr val="tx1"/>
+                </a:solidFill>
+              </a:rPr>
+              <a:t>探索終了</a:t>
+            </a:r>
+          </a:p>
+        </p:txBody>
+      </p:sp>
+      <p:cxnSp>
+        <p:nvCxnSpPr>
+          <p:cNvPr id="15" name="直線矢印コネクタ 14">
+            <a:extLst>
+              <a:ext uri="{FF2B5EF4-FFF2-40B4-BE49-F238E27FC236}">
+                <a16:creationId xmlns:a16="http://schemas.microsoft.com/office/drawing/2014/main" id="{0C5643BA-AEF1-2575-64D6-16C6913B21EC}"/>
+              </a:ext>
+            </a:extLst>
+          </p:cNvPr>
+          <p:cNvCxnSpPr>
+            <a:stCxn id="2" idx="2"/>
+          </p:cNvCxnSpPr>
+          <p:nvPr/>
+        </p:nvCxnSpPr>
+        <p:spPr>
+          <a:xfrm>
+            <a:off x="6308436" y="775855"/>
+            <a:ext cx="0" cy="230908"/>
+          </a:xfrm>
+          <a:prstGeom prst="straightConnector1">
+            <a:avLst/>
+          </a:prstGeom>
+          <a:ln w="38100">
+            <a:tailEnd type="triangle"/>
+          </a:ln>
+        </p:spPr>
+        <p:style>
+          <a:lnRef idx="2">
+            <a:schemeClr val="dk1"/>
+          </a:lnRef>
+          <a:fillRef idx="0">
+            <a:schemeClr val="dk1"/>
+          </a:fillRef>
+          <a:effectRef idx="1">
+            <a:schemeClr val="dk1"/>
+          </a:effectRef>
+          <a:fontRef idx="minor">
+            <a:schemeClr val="tx1"/>
+          </a:fontRef>
+        </p:style>
+      </p:cxnSp>
+      <p:cxnSp>
+        <p:nvCxnSpPr>
+          <p:cNvPr id="16" name="直線矢印コネクタ 15">
+            <a:extLst>
+              <a:ext uri="{FF2B5EF4-FFF2-40B4-BE49-F238E27FC236}">
+                <a16:creationId xmlns:a16="http://schemas.microsoft.com/office/drawing/2014/main" id="{64F3EE41-1EC0-5FFB-0D1F-884D1416DA23}"/>
+              </a:ext>
+            </a:extLst>
+          </p:cNvPr>
+          <p:cNvCxnSpPr/>
+          <p:nvPr/>
+        </p:nvCxnSpPr>
+        <p:spPr>
+          <a:xfrm>
+            <a:off x="6308436" y="1487054"/>
+            <a:ext cx="0" cy="230908"/>
+          </a:xfrm>
+          <a:prstGeom prst="straightConnector1">
+            <a:avLst/>
+          </a:prstGeom>
+          <a:ln w="38100">
+            <a:tailEnd type="triangle"/>
+          </a:ln>
+        </p:spPr>
+        <p:style>
+          <a:lnRef idx="2">
+            <a:schemeClr val="dk1"/>
+          </a:lnRef>
+          <a:fillRef idx="0">
+            <a:schemeClr val="dk1"/>
+          </a:fillRef>
+          <a:effectRef idx="1">
+            <a:schemeClr val="dk1"/>
+          </a:effectRef>
+          <a:fontRef idx="minor">
+            <a:schemeClr val="tx1"/>
+          </a:fontRef>
+        </p:style>
+      </p:cxnSp>
+      <p:cxnSp>
+        <p:nvCxnSpPr>
+          <p:cNvPr id="17" name="直線矢印コネクタ 16">
+            <a:extLst>
+              <a:ext uri="{FF2B5EF4-FFF2-40B4-BE49-F238E27FC236}">
+                <a16:creationId xmlns:a16="http://schemas.microsoft.com/office/drawing/2014/main" id="{32CB2B61-731B-4DA7-E135-1641176D5EA2}"/>
+              </a:ext>
+            </a:extLst>
+          </p:cNvPr>
+          <p:cNvCxnSpPr/>
+          <p:nvPr/>
+        </p:nvCxnSpPr>
+        <p:spPr>
+          <a:xfrm>
+            <a:off x="6368472" y="2198253"/>
+            <a:ext cx="0" cy="230908"/>
+          </a:xfrm>
+          <a:prstGeom prst="straightConnector1">
+            <a:avLst/>
+          </a:prstGeom>
+          <a:ln w="38100">
+            <a:tailEnd type="triangle"/>
+          </a:ln>
+        </p:spPr>
+        <p:style>
+          <a:lnRef idx="2">
+            <a:schemeClr val="dk1"/>
+          </a:lnRef>
+          <a:fillRef idx="0">
+            <a:schemeClr val="dk1"/>
+          </a:fillRef>
+          <a:effectRef idx="1">
+            <a:schemeClr val="dk1"/>
+          </a:effectRef>
+          <a:fontRef idx="minor">
+            <a:schemeClr val="tx1"/>
+          </a:fontRef>
+        </p:style>
+      </p:cxnSp>
+      <p:cxnSp>
+        <p:nvCxnSpPr>
+          <p:cNvPr id="18" name="直線矢印コネクタ 17">
+            <a:extLst>
+              <a:ext uri="{FF2B5EF4-FFF2-40B4-BE49-F238E27FC236}">
+                <a16:creationId xmlns:a16="http://schemas.microsoft.com/office/drawing/2014/main" id="{F19D9B9F-6EC1-7951-958B-6D623DCC8178}"/>
+              </a:ext>
+            </a:extLst>
+          </p:cNvPr>
+          <p:cNvCxnSpPr/>
+          <p:nvPr/>
+        </p:nvCxnSpPr>
+        <p:spPr>
+          <a:xfrm>
+            <a:off x="6368471" y="2909452"/>
+            <a:ext cx="0" cy="230908"/>
+          </a:xfrm>
+          <a:prstGeom prst="straightConnector1">
+            <a:avLst/>
+          </a:prstGeom>
+          <a:ln w="38100">
+            <a:tailEnd type="triangle"/>
+          </a:ln>
+        </p:spPr>
+        <p:style>
+          <a:lnRef idx="2">
+            <a:schemeClr val="dk1"/>
+          </a:lnRef>
+          <a:fillRef idx="0">
+            <a:schemeClr val="dk1"/>
+          </a:fillRef>
+          <a:effectRef idx="1">
+            <a:schemeClr val="dk1"/>
+          </a:effectRef>
+          <a:fontRef idx="minor">
+            <a:schemeClr val="tx1"/>
+          </a:fontRef>
+        </p:style>
+      </p:cxnSp>
+      <p:cxnSp>
+        <p:nvCxnSpPr>
+          <p:cNvPr id="19" name="直線矢印コネクタ 18">
+            <a:extLst>
+              <a:ext uri="{FF2B5EF4-FFF2-40B4-BE49-F238E27FC236}">
+                <a16:creationId xmlns:a16="http://schemas.microsoft.com/office/drawing/2014/main" id="{8D0233FD-EC56-AA32-DE86-106397167959}"/>
+              </a:ext>
+            </a:extLst>
+          </p:cNvPr>
+          <p:cNvCxnSpPr/>
+          <p:nvPr/>
+        </p:nvCxnSpPr>
+        <p:spPr>
+          <a:xfrm>
+            <a:off x="6308436" y="3620651"/>
+            <a:ext cx="0" cy="230908"/>
+          </a:xfrm>
+          <a:prstGeom prst="straightConnector1">
+            <a:avLst/>
+          </a:prstGeom>
+          <a:ln w="38100">
+            <a:tailEnd type="triangle"/>
+          </a:ln>
+        </p:spPr>
+        <p:style>
+          <a:lnRef idx="2">
+            <a:schemeClr val="dk1"/>
+          </a:lnRef>
+          <a:fillRef idx="0">
+            <a:schemeClr val="dk1"/>
+          </a:fillRef>
+          <a:effectRef idx="1">
+            <a:schemeClr val="dk1"/>
+          </a:effectRef>
+          <a:fontRef idx="minor">
+            <a:schemeClr val="tx1"/>
+          </a:fontRef>
+        </p:style>
+      </p:cxnSp>
+      <p:cxnSp>
+        <p:nvCxnSpPr>
+          <p:cNvPr id="20" name="直線矢印コネクタ 19">
+            <a:extLst>
+              <a:ext uri="{FF2B5EF4-FFF2-40B4-BE49-F238E27FC236}">
+                <a16:creationId xmlns:a16="http://schemas.microsoft.com/office/drawing/2014/main" id="{2D53C995-9FBE-A378-AC74-E1E002E05C5E}"/>
+              </a:ext>
+            </a:extLst>
+          </p:cNvPr>
+          <p:cNvCxnSpPr/>
+          <p:nvPr/>
+        </p:nvCxnSpPr>
+        <p:spPr>
+          <a:xfrm>
+            <a:off x="6354616" y="4373420"/>
+            <a:ext cx="0" cy="230908"/>
+          </a:xfrm>
+          <a:prstGeom prst="straightConnector1">
+            <a:avLst/>
+          </a:prstGeom>
+          <a:ln w="38100">
+            <a:tailEnd type="triangle"/>
+          </a:ln>
+        </p:spPr>
+        <p:style>
+          <a:lnRef idx="2">
+            <a:schemeClr val="dk1"/>
+          </a:lnRef>
+          <a:fillRef idx="0">
+            <a:schemeClr val="dk1"/>
+          </a:fillRef>
+          <a:effectRef idx="1">
+            <a:schemeClr val="dk1"/>
+          </a:effectRef>
+          <a:fontRef idx="minor">
+            <a:schemeClr val="tx1"/>
+          </a:fontRef>
+        </p:style>
+      </p:cxnSp>
+      <p:cxnSp>
+        <p:nvCxnSpPr>
+          <p:cNvPr id="21" name="直線矢印コネクタ 20">
+            <a:extLst>
+              <a:ext uri="{FF2B5EF4-FFF2-40B4-BE49-F238E27FC236}">
+                <a16:creationId xmlns:a16="http://schemas.microsoft.com/office/drawing/2014/main" id="{BC2AB1F9-4253-90F1-F04B-37C33C530E64}"/>
+              </a:ext>
+            </a:extLst>
+          </p:cNvPr>
+          <p:cNvCxnSpPr/>
+          <p:nvPr/>
+        </p:nvCxnSpPr>
+        <p:spPr>
+          <a:xfrm>
+            <a:off x="6386941" y="5853543"/>
+            <a:ext cx="0" cy="230908"/>
+          </a:xfrm>
+          <a:prstGeom prst="straightConnector1">
+            <a:avLst/>
+          </a:prstGeom>
+          <a:ln w="38100">
+            <a:tailEnd type="triangle"/>
+          </a:ln>
+        </p:spPr>
+        <p:style>
+          <a:lnRef idx="2">
+            <a:schemeClr val="dk1"/>
+          </a:lnRef>
+          <a:fillRef idx="0">
+            <a:schemeClr val="dk1"/>
+          </a:fillRef>
+          <a:effectRef idx="1">
+            <a:schemeClr val="dk1"/>
+          </a:effectRef>
+          <a:fontRef idx="minor">
+            <a:schemeClr val="tx1"/>
+          </a:fontRef>
+        </p:style>
+      </p:cxnSp>
+      <p:cxnSp>
+        <p:nvCxnSpPr>
+          <p:cNvPr id="23" name="直線コネクタ 22">
+            <a:extLst>
+              <a:ext uri="{FF2B5EF4-FFF2-40B4-BE49-F238E27FC236}">
+                <a16:creationId xmlns:a16="http://schemas.microsoft.com/office/drawing/2014/main" id="{33AAE1A9-951A-0C2E-6EF4-E08AE0D1D6F7}"/>
+              </a:ext>
+            </a:extLst>
+          </p:cNvPr>
+          <p:cNvCxnSpPr>
+            <a:stCxn id="8" idx="3"/>
+          </p:cNvCxnSpPr>
+          <p:nvPr/>
+        </p:nvCxnSpPr>
+        <p:spPr>
+          <a:xfrm flipV="1">
+            <a:off x="8077199" y="5227782"/>
+            <a:ext cx="1667165" cy="1"/>
+          </a:xfrm>
+          <a:prstGeom prst="line">
+            <a:avLst/>
+          </a:prstGeom>
+          <a:ln w="38100"/>
+        </p:spPr>
+        <p:style>
+          <a:lnRef idx="2">
+            <a:schemeClr val="dk1"/>
+          </a:lnRef>
+          <a:fillRef idx="0">
+            <a:schemeClr val="dk1"/>
+          </a:fillRef>
+          <a:effectRef idx="1">
+            <a:schemeClr val="dk1"/>
+          </a:effectRef>
+          <a:fontRef idx="minor">
+            <a:schemeClr val="tx1"/>
+          </a:fontRef>
+        </p:style>
+      </p:cxnSp>
+      <p:cxnSp>
+        <p:nvCxnSpPr>
+          <p:cNvPr id="24" name="直線コネクタ 23">
+            <a:extLst>
+              <a:ext uri="{FF2B5EF4-FFF2-40B4-BE49-F238E27FC236}">
+                <a16:creationId xmlns:a16="http://schemas.microsoft.com/office/drawing/2014/main" id="{A96444F0-E60B-E354-8480-B49E2B91C5AD}"/>
+              </a:ext>
+            </a:extLst>
+          </p:cNvPr>
+          <p:cNvCxnSpPr>
+            <a:cxnSpLocks/>
+          </p:cNvCxnSpPr>
+          <p:nvPr/>
+        </p:nvCxnSpPr>
+        <p:spPr>
+          <a:xfrm>
+            <a:off x="9744364" y="1602508"/>
+            <a:ext cx="0" cy="3625274"/>
+          </a:xfrm>
+          <a:prstGeom prst="line">
+            <a:avLst/>
+          </a:prstGeom>
+          <a:ln w="38100"/>
+        </p:spPr>
+        <p:style>
+          <a:lnRef idx="2">
+            <a:schemeClr val="dk1"/>
+          </a:lnRef>
+          <a:fillRef idx="0">
+            <a:schemeClr val="dk1"/>
+          </a:fillRef>
+          <a:effectRef idx="1">
+            <a:schemeClr val="dk1"/>
+          </a:effectRef>
+          <a:fontRef idx="minor">
+            <a:schemeClr val="tx1"/>
+          </a:fontRef>
+        </p:style>
+      </p:cxnSp>
+      <p:cxnSp>
+        <p:nvCxnSpPr>
+          <p:cNvPr id="27" name="直線矢印コネクタ 26">
+            <a:extLst>
+              <a:ext uri="{FF2B5EF4-FFF2-40B4-BE49-F238E27FC236}">
+                <a16:creationId xmlns:a16="http://schemas.microsoft.com/office/drawing/2014/main" id="{80DF0029-C9A2-2898-02BC-260FA4611490}"/>
+              </a:ext>
+            </a:extLst>
+          </p:cNvPr>
+          <p:cNvCxnSpPr>
+            <a:cxnSpLocks/>
+          </p:cNvCxnSpPr>
+          <p:nvPr/>
+        </p:nvCxnSpPr>
+        <p:spPr>
+          <a:xfrm flipH="1">
+            <a:off x="6384636" y="1602508"/>
+            <a:ext cx="3359728" cy="27709"/>
+          </a:xfrm>
+          <a:prstGeom prst="straightConnector1">
+            <a:avLst/>
+          </a:prstGeom>
+          <a:ln w="38100">
+            <a:tailEnd type="triangle"/>
+          </a:ln>
+        </p:spPr>
+        <p:style>
+          <a:lnRef idx="2">
+            <a:schemeClr val="dk1"/>
+          </a:lnRef>
+          <a:fillRef idx="0">
+            <a:schemeClr val="dk1"/>
+          </a:fillRef>
+          <a:effectRef idx="1">
+            <a:schemeClr val="dk1"/>
+          </a:effectRef>
+          <a:fontRef idx="minor">
+            <a:schemeClr val="tx1"/>
+          </a:fontRef>
+        </p:style>
+      </p:cxnSp>
+      <p:sp>
+        <p:nvSpPr>
+          <p:cNvPr id="30" name="テキスト ボックス 29">
+            <a:extLst>
+              <a:ext uri="{FF2B5EF4-FFF2-40B4-BE49-F238E27FC236}">
+                <a16:creationId xmlns:a16="http://schemas.microsoft.com/office/drawing/2014/main" id="{8D4658E4-A955-CEB0-37DB-AC0DA0AB36F3}"/>
+              </a:ext>
+            </a:extLst>
+          </p:cNvPr>
+          <p:cNvSpPr txBox="1"/>
+          <p:nvPr/>
+        </p:nvSpPr>
+        <p:spPr>
+          <a:xfrm>
+            <a:off x="8192654" y="4807590"/>
+            <a:ext cx="1219199" cy="369332"/>
+          </a:xfrm>
+          <a:prstGeom prst="rect">
+            <a:avLst/>
+          </a:prstGeom>
+          <a:noFill/>
+        </p:spPr>
+        <p:txBody>
+          <a:bodyPr wrap="square" rtlCol="0">
+            <a:spAutoFit/>
+          </a:bodyPr>
+          <a:lstStyle/>
+          <a:p>
+            <a:r>
+              <a:rPr kumimoji="1" lang="en-US" altLang="ja-JP" dirty="0"/>
+              <a:t>No</a:t>
+            </a:r>
+            <a:endParaRPr kumimoji="1" lang="ja-JP" altLang="en-US" dirty="0"/>
+          </a:p>
+        </p:txBody>
+      </p:sp>
+      <p:sp>
+        <p:nvSpPr>
+          <p:cNvPr id="31" name="テキスト ボックス 30">
+            <a:extLst>
+              <a:ext uri="{FF2B5EF4-FFF2-40B4-BE49-F238E27FC236}">
+                <a16:creationId xmlns:a16="http://schemas.microsoft.com/office/drawing/2014/main" id="{812C361D-778B-7B7E-E124-B1CC78C701E2}"/>
+              </a:ext>
+            </a:extLst>
+          </p:cNvPr>
+          <p:cNvSpPr txBox="1"/>
+          <p:nvPr/>
+        </p:nvSpPr>
+        <p:spPr>
+          <a:xfrm>
+            <a:off x="7107381" y="5746238"/>
+            <a:ext cx="1219199" cy="369332"/>
+          </a:xfrm>
+          <a:prstGeom prst="rect">
+            <a:avLst/>
+          </a:prstGeom>
+          <a:noFill/>
+        </p:spPr>
+        <p:txBody>
+          <a:bodyPr wrap="square" rtlCol="0">
+            <a:spAutoFit/>
+          </a:bodyPr>
+          <a:lstStyle/>
+          <a:p>
+            <a:r>
+              <a:rPr kumimoji="1" lang="en-US" altLang="ja-JP" dirty="0"/>
+              <a:t>Yes</a:t>
+            </a:r>
+            <a:endParaRPr kumimoji="1" lang="ja-JP" altLang="en-US" dirty="0"/>
+          </a:p>
+        </p:txBody>
+      </p:sp>
+      <p:sp>
+        <p:nvSpPr>
+          <p:cNvPr id="32" name="フローチャート: 処理 31">
+            <a:extLst>
+              <a:ext uri="{FF2B5EF4-FFF2-40B4-BE49-F238E27FC236}">
+                <a16:creationId xmlns:a16="http://schemas.microsoft.com/office/drawing/2014/main" id="{98099961-97CE-19EE-5106-0BB82EF35A8E}"/>
+              </a:ext>
+            </a:extLst>
+          </p:cNvPr>
+          <p:cNvSpPr/>
+          <p:nvPr/>
+        </p:nvSpPr>
+        <p:spPr>
+          <a:xfrm>
+            <a:off x="471056" y="1637144"/>
+            <a:ext cx="2881744" cy="641928"/>
+          </a:xfrm>
+          <a:prstGeom prst="flowChartProcess">
+            <a:avLst/>
+          </a:prstGeom>
+          <a:noFill/>
+        </p:spPr>
+        <p:style>
+          <a:lnRef idx="2">
+            <a:schemeClr val="accent1">
+              <a:shade val="15000"/>
+            </a:schemeClr>
+          </a:lnRef>
+          <a:fillRef idx="1">
+            <a:schemeClr val="accent1"/>
+          </a:fillRef>
+          <a:effectRef idx="0">
+            <a:schemeClr val="accent1"/>
+          </a:effectRef>
+          <a:fontRef idx="minor">
+            <a:schemeClr val="lt1"/>
+          </a:fontRef>
+        </p:style>
+        <p:txBody>
+          <a:bodyPr rtlCol="0" anchor="ctr"/>
+          <a:lstStyle/>
+          <a:p>
+            <a:pPr algn="ctr"/>
+            <a:r>
+              <a:rPr kumimoji="1" lang="ja-JP" altLang="en-US" sz="3200" dirty="0">
+                <a:solidFill>
+                  <a:schemeClr val="tx1"/>
+                </a:solidFill>
+              </a:rPr>
+              <a:t>目的関数</a:t>
+            </a:r>
+          </a:p>
+        </p:txBody>
+      </p:sp>
+      <p:cxnSp>
+        <p:nvCxnSpPr>
+          <p:cNvPr id="34" name="直線矢印コネクタ 33">
+            <a:extLst>
+              <a:ext uri="{FF2B5EF4-FFF2-40B4-BE49-F238E27FC236}">
+                <a16:creationId xmlns:a16="http://schemas.microsoft.com/office/drawing/2014/main" id="{6717423B-1196-052F-AFD9-D47DB424D522}"/>
+              </a:ext>
+            </a:extLst>
+          </p:cNvPr>
+          <p:cNvCxnSpPr>
+            <a:stCxn id="32" idx="3"/>
+            <a:endCxn id="9" idx="1"/>
+          </p:cNvCxnSpPr>
+          <p:nvPr/>
+        </p:nvCxnSpPr>
+        <p:spPr>
+          <a:xfrm>
+            <a:off x="3352800" y="1958108"/>
+            <a:ext cx="1607127" cy="0"/>
+          </a:xfrm>
+          <a:prstGeom prst="straightConnector1">
+            <a:avLst/>
+          </a:prstGeom>
+          <a:ln w="38100">
+            <a:headEnd type="triangle"/>
+            <a:tailEnd type="triangle"/>
+          </a:ln>
+        </p:spPr>
+        <p:style>
+          <a:lnRef idx="2">
+            <a:schemeClr val="dk1"/>
+          </a:lnRef>
+          <a:fillRef idx="0">
+            <a:schemeClr val="dk1"/>
+          </a:fillRef>
+          <a:effectRef idx="1">
+            <a:schemeClr val="dk1"/>
+          </a:effectRef>
+          <a:fontRef idx="minor">
+            <a:schemeClr val="tx1"/>
+          </a:fontRef>
+        </p:style>
+      </p:cxnSp>
+    </p:spTree>
+    <p:extLst>
+      <p:ext uri="{BB962C8B-B14F-4D97-AF65-F5344CB8AC3E}">
+        <p14:creationId xmlns:p14="http://schemas.microsoft.com/office/powerpoint/2010/main" val="886271374"/>
       </p:ext>
     </p:extLst>
   </p:cSld>
